--- a/Documentation/Final Documents/Buddy-Buddy-Poster.pptx
+++ b/Documentation/Final Documents/Buddy-Buddy-Poster.pptx
@@ -166,6 +166,10 @@
 </p:presentation>
 </file>
 
+<file path=ppt/revisionInfo.xml><?xml version="1.0" encoding="utf-8"?>
+<p1510:revInfo xmlns:a="http://schemas.openxmlformats.org/drawingml/2006/main" xmlns:r="http://schemas.openxmlformats.org/officeDocument/2006/relationships" xmlns:p1510="http://schemas.microsoft.com/office/powerpoint/2015/10/main"/>
+</file>
+
 <file path=ppt/notesMasters/notesMaster1.xml><?xml version="1.0" encoding="utf-8"?>
 <p:notesMaster xmlns:a="http://schemas.openxmlformats.org/drawingml/2006/main" xmlns:r="http://schemas.openxmlformats.org/officeDocument/2006/relationships" xmlns:p="http://schemas.openxmlformats.org/presentationml/2006/main">
   <p:cSld>
@@ -1155,34 +1159,15 @@
         </p:nvSpPr>
         <p:spPr>
           <a:xfrm>
-            <a:off x="-61921" y="0"/>
-            <a:ext cx="34888481" cy="22559726"/>
+            <a:off x="-26125" y="-12998"/>
+            <a:ext cx="32918400" cy="21958598"/>
           </a:xfrm>
           <a:prstGeom prst="rect">
             <a:avLst/>
           </a:prstGeom>
-          <a:gradFill flip="none" rotWithShape="0">
-            <a:gsLst>
-              <a:gs pos="0">
-                <a:schemeClr val="bg1">
-                  <a:lumMod val="75000"/>
-                  <a:alpha val="77000"/>
-                </a:schemeClr>
-              </a:gs>
-              <a:gs pos="52000">
-                <a:srgbClr val="FFFFFF">
-                  <a:alpha val="0"/>
-                </a:srgbClr>
-              </a:gs>
-              <a:gs pos="87000">
-                <a:schemeClr val="bg1">
-                  <a:lumMod val="75000"/>
-                </a:schemeClr>
-              </a:gs>
-            </a:gsLst>
-            <a:lin ang="12780000" scaled="0"/>
-            <a:tileRect/>
-          </a:gradFill>
+          <a:solidFill>
+            <a:srgbClr val="00B0F0"/>
+          </a:solidFill>
           <a:ln>
             <a:noFill/>
           </a:ln>
@@ -1207,7 +1192,7 @@
           <a:lstStyle/>
           <a:p>
             <a:pPr algn="ctr"/>
-            <a:endParaRPr lang="en-US">
+            <a:endParaRPr lang="en-US" dirty="0">
               <a:solidFill>
                 <a:schemeClr val="tx1"/>
               </a:solidFill>
@@ -1223,8 +1208,8 @@
         </p:nvSpPr>
         <p:spPr bwMode="auto">
           <a:xfrm>
-            <a:off x="1" y="-100266"/>
-            <a:ext cx="32918400" cy="3676400"/>
+            <a:off x="-26125" y="673595"/>
+            <a:ext cx="32918400" cy="3198473"/>
           </a:xfrm>
           <a:prstGeom prst="rect">
             <a:avLst/>
@@ -1288,7 +1273,7 @@
         </p:nvSpPr>
         <p:spPr bwMode="auto">
           <a:xfrm>
-            <a:off x="24631650" y="4064000"/>
+            <a:off x="24603834" y="4230027"/>
             <a:ext cx="7772400" cy="17322800"/>
           </a:xfrm>
           <a:prstGeom prst="roundRect">
@@ -1327,7 +1312,7 @@
         </p:nvSpPr>
         <p:spPr bwMode="auto">
           <a:xfrm>
-            <a:off x="8515350" y="4064000"/>
+            <a:off x="8487534" y="4230027"/>
             <a:ext cx="7772400" cy="17322800"/>
           </a:xfrm>
           <a:prstGeom prst="roundRect">
@@ -1366,7 +1351,7 @@
         </p:nvSpPr>
         <p:spPr bwMode="auto">
           <a:xfrm>
-            <a:off x="16573500" y="4064000"/>
+            <a:off x="16545684" y="4230027"/>
             <a:ext cx="7772400" cy="17322800"/>
           </a:xfrm>
           <a:prstGeom prst="roundRect">
@@ -1405,7 +1390,7 @@
         </p:nvSpPr>
         <p:spPr bwMode="auto">
           <a:xfrm>
-            <a:off x="457200" y="4064000"/>
+            <a:off x="429384" y="4230027"/>
             <a:ext cx="7772400" cy="17322800"/>
           </a:xfrm>
           <a:prstGeom prst="roundRect">
@@ -1444,8 +1429,8 @@
         </p:nvSpPr>
         <p:spPr bwMode="auto">
           <a:xfrm>
-            <a:off x="1123406" y="5892801"/>
-            <a:ext cx="6470400" cy="11145900"/>
+            <a:off x="645761" y="6058828"/>
+            <a:ext cx="7327423" cy="10653458"/>
           </a:xfrm>
           <a:prstGeom prst="rect">
             <a:avLst/>
@@ -1467,7 +1452,45 @@
           <a:p>
             <a:r>
               <a:rPr lang="en-US" sz="4000" dirty="0"/>
-              <a:t>Buddy-Buddy is a Social Media Aggregator. That is, a website which allows users to access all their news feeds and profiles for every common social media platform in today’s day and age. Rather than polluting screen space in your browser, Buddy-Buddy consolidates it all into one place. After signing in using first-party OAuth buttons, a user could check their relevant posts across all platforms, as well as make posts to the social media platforms.</a:t>
+              <a:t>Buddy-Buddy is a social media aggregator.</a:t>
+            </a:r>
+          </a:p>
+          <a:p>
+            <a:pPr algn="l"/>
+            <a:endParaRPr lang="en-US" sz="3200" dirty="0"/>
+          </a:p>
+          <a:p>
+            <a:pPr algn="l"/>
+            <a:endParaRPr lang="en-US" sz="3200" dirty="0"/>
+          </a:p>
+          <a:p>
+            <a:pPr algn="l"/>
+            <a:endParaRPr lang="en-US" sz="3200" dirty="0"/>
+          </a:p>
+          <a:p>
+            <a:pPr algn="l"/>
+            <a:endParaRPr lang="en-US" sz="3200" dirty="0"/>
+          </a:p>
+          <a:p>
+            <a:pPr algn="l"/>
+            <a:r>
+              <a:rPr lang="en-US" sz="3200" dirty="0"/>
+              <a:t>That is, it is a website which allows users to access all their news feeds and profiles for every common social media platform in today’s day and age. </a:t>
+            </a:r>
+            <a:r>
+              <a:rPr lang="en-US" sz="3200" u="sng" dirty="0"/>
+              <a:t>For this project, we implemented Facebook and Twitter.</a:t>
+            </a:r>
+          </a:p>
+          <a:p>
+            <a:pPr algn="l"/>
+            <a:endParaRPr lang="en-US" sz="3200" dirty="0"/>
+          </a:p>
+          <a:p>
+            <a:pPr algn="l"/>
+            <a:r>
+              <a:rPr lang="en-US" sz="3200" dirty="0"/>
+              <a:t>Rather than polluting screen space in your browser, Buddy-Buddy consolidates it all into one place. After signing in using first-party OAuth buttons, a user could check their relevant posts across all platforms, as well as make posts to those social media platforms.</a:t>
             </a:r>
           </a:p>
         </p:txBody>
@@ -1482,7 +1505,7 @@
         </p:nvSpPr>
         <p:spPr bwMode="auto">
           <a:xfrm>
-            <a:off x="8686800" y="4368800"/>
+            <a:off x="8658984" y="4534827"/>
             <a:ext cx="7372350" cy="1004662"/>
           </a:xfrm>
           <a:prstGeom prst="rect">
@@ -1525,7 +1548,7 @@
         </p:nvSpPr>
         <p:spPr bwMode="auto">
           <a:xfrm>
-            <a:off x="24917400" y="4373033"/>
+            <a:off x="24889584" y="4539060"/>
             <a:ext cx="7372350" cy="1004662"/>
           </a:xfrm>
           <a:prstGeom prst="rect">
@@ -1568,7 +1591,7 @@
         </p:nvSpPr>
         <p:spPr bwMode="auto">
           <a:xfrm>
-            <a:off x="25253156" y="16764001"/>
+            <a:off x="25225340" y="16930028"/>
             <a:ext cx="6229350" cy="773830"/>
           </a:xfrm>
           <a:prstGeom prst="rect">
@@ -1611,8 +1634,8 @@
         </p:nvSpPr>
         <p:spPr bwMode="auto">
           <a:xfrm>
-            <a:off x="8763000" y="5892801"/>
-            <a:ext cx="7242136" cy="10336161"/>
+            <a:off x="8735184" y="6058828"/>
+            <a:ext cx="7242136" cy="9868340"/>
           </a:xfrm>
           <a:prstGeom prst="rect">
             <a:avLst/>
@@ -1638,16 +1661,10 @@
               </a:lnSpc>
             </a:pPr>
             <a:r>
-              <a:rPr lang="en-US" sz="4000" dirty="0">
+              <a:rPr lang="en-US" sz="3200" dirty="0">
                 <a:latin typeface="+mn-lt"/>
               </a:rPr>
-              <a:t>Facebook</a:t>
-            </a:r>
-            <a:r>
-              <a:rPr lang="en-US" sz="4800" dirty="0">
-                <a:latin typeface="+mn-lt"/>
-              </a:rPr>
-              <a:t> implementation was achieved through implementation of the Facebook SDK.</a:t>
+              <a:t>Facebook implementation was achieved through implementation of the Facebook SDK using JavaScript. The SDK allowed up to implement Facebook’s pre-designed log in functions as well as post requests for data from a user.</a:t>
             </a:r>
           </a:p>
           <a:p>
@@ -1656,8 +1673,8 @@
                 <a:spcPct val="95000"/>
               </a:lnSpc>
             </a:pPr>
-            <a:endParaRPr lang="en-US" sz="4800" dirty="0">
-              <a:latin typeface="Times New Roman" pitchFamily="18" charset="0"/>
+            <a:endParaRPr lang="en-US" sz="3200" dirty="0">
+              <a:latin typeface="+mn-lt"/>
             </a:endParaRPr>
           </a:p>
           <a:p>
@@ -1666,8 +1683,8 @@
                 <a:spcPct val="95000"/>
               </a:lnSpc>
             </a:pPr>
-            <a:endParaRPr lang="en-US" sz="4800" dirty="0">
-              <a:latin typeface="Times New Roman" pitchFamily="18" charset="0"/>
+            <a:endParaRPr lang="en-US" sz="3200" dirty="0">
+              <a:latin typeface="+mn-lt"/>
             </a:endParaRPr>
           </a:p>
           <a:p>
@@ -1676,8 +1693,8 @@
                 <a:spcPct val="95000"/>
               </a:lnSpc>
             </a:pPr>
-            <a:endParaRPr lang="en-US" sz="4800" dirty="0">
-              <a:latin typeface="Times New Roman" pitchFamily="18" charset="0"/>
+            <a:endParaRPr lang="en-US" sz="3200" dirty="0">
+              <a:latin typeface="+mn-lt"/>
             </a:endParaRPr>
           </a:p>
           <a:p>
@@ -1686,8 +1703,8 @@
                 <a:spcPct val="95000"/>
               </a:lnSpc>
             </a:pPr>
-            <a:endParaRPr lang="en-US" sz="4800" dirty="0">
-              <a:latin typeface="Times New Roman" pitchFamily="18" charset="0"/>
+            <a:endParaRPr lang="en-US" sz="3200" dirty="0">
+              <a:latin typeface="+mn-lt"/>
             </a:endParaRPr>
           </a:p>
           <a:p>
@@ -1696,8 +1713,8 @@
                 <a:spcPct val="95000"/>
               </a:lnSpc>
             </a:pPr>
-            <a:endParaRPr lang="en-US" sz="4800" dirty="0">
-              <a:latin typeface="Times New Roman" pitchFamily="18" charset="0"/>
+            <a:endParaRPr lang="en-US" sz="3200" dirty="0">
+              <a:latin typeface="+mn-lt"/>
             </a:endParaRPr>
           </a:p>
           <a:p>
@@ -1706,8 +1723,8 @@
                 <a:spcPct val="95000"/>
               </a:lnSpc>
             </a:pPr>
-            <a:endParaRPr lang="en-US" sz="4800" dirty="0">
-              <a:latin typeface="Times New Roman" pitchFamily="18" charset="0"/>
+            <a:endParaRPr lang="en-US" sz="3200" dirty="0">
+              <a:latin typeface="+mn-lt"/>
             </a:endParaRPr>
           </a:p>
           <a:p>
@@ -1716,8 +1733,8 @@
                 <a:spcPct val="95000"/>
               </a:lnSpc>
             </a:pPr>
-            <a:endParaRPr lang="en-US" sz="4800" dirty="0">
-              <a:latin typeface="Times New Roman" pitchFamily="18" charset="0"/>
+            <a:endParaRPr lang="en-US" sz="3200" dirty="0">
+              <a:latin typeface="+mn-lt"/>
             </a:endParaRPr>
           </a:p>
           <a:p>
@@ -1726,11 +1743,41 @@
                 <a:spcPct val="95000"/>
               </a:lnSpc>
             </a:pPr>
-            <a:r>
-              <a:rPr lang="en-US" sz="4400" dirty="0">
+            <a:endParaRPr lang="en-US" sz="3200" dirty="0">
+              <a:latin typeface="+mn-lt"/>
+            </a:endParaRPr>
+          </a:p>
+          <a:p>
+            <a:pPr defTabSz="437644" eaLnBrk="0" hangingPunct="0">
+              <a:lnSpc>
+                <a:spcPct val="95000"/>
+              </a:lnSpc>
+            </a:pPr>
+            <a:endParaRPr lang="en-US" sz="3200" dirty="0">
+              <a:latin typeface="+mn-lt"/>
+            </a:endParaRPr>
+          </a:p>
+          <a:p>
+            <a:pPr defTabSz="437644" eaLnBrk="0" hangingPunct="0">
+              <a:lnSpc>
+                <a:spcPct val="95000"/>
+              </a:lnSpc>
+            </a:pPr>
+            <a:endParaRPr lang="en-US" sz="3200" dirty="0">
+              <a:latin typeface="+mn-lt"/>
+            </a:endParaRPr>
+          </a:p>
+          <a:p>
+            <a:pPr defTabSz="437644" eaLnBrk="0" hangingPunct="0">
+              <a:lnSpc>
+                <a:spcPct val="95000"/>
+              </a:lnSpc>
+            </a:pPr>
+            <a:r>
+              <a:rPr lang="en-US" sz="3200" dirty="0">
                 <a:latin typeface="+mn-lt"/>
               </a:rPr>
-              <a:t>The Facebook SDK allowed us to pull a user’s newsfeed and embed it, as well as share posts to Facebook </a:t>
+              <a:t>Utilizing these requests, we were able grab a user’s newsfeed, posts they are tagged in, and allow them to share something to their wall.</a:t>
             </a:r>
           </a:p>
         </p:txBody>
@@ -1745,8 +1792,151 @@
         </p:nvSpPr>
         <p:spPr bwMode="auto">
           <a:xfrm>
-            <a:off x="25056703" y="17618531"/>
-            <a:ext cx="6890147" cy="3318855"/>
+            <a:off x="24851485" y="17979023"/>
+            <a:ext cx="7267574" cy="2792557"/>
+          </a:xfrm>
+          <a:prstGeom prst="rect">
+            <a:avLst/>
+          </a:prstGeom>
+          <a:noFill/>
+          <a:ln w="57150" cmpd="thinThick">
+            <a:noFill/>
+            <a:miter lim="800000"/>
+            <a:headEnd/>
+            <a:tailEnd/>
+          </a:ln>
+          <a:effectLst/>
+        </p:spPr>
+        <p:txBody>
+          <a:bodyPr wrap="square" lIns="43688" tIns="21843" rIns="43688" bIns="21843">
+            <a:spAutoFit/>
+          </a:bodyPr>
+          <a:lstStyle/>
+          <a:p>
+            <a:pPr marL="514350" indent="-514350" algn="l" defTabSz="437644" eaLnBrk="0" hangingPunct="0">
+              <a:lnSpc>
+                <a:spcPct val="95000"/>
+              </a:lnSpc>
+              <a:buFont typeface="+mj-lt"/>
+              <a:buAutoNum type="arabicPeriod"/>
+            </a:pPr>
+            <a:r>
+              <a:rPr lang="en-US" sz="2400" b="1" dirty="0">
+                <a:latin typeface="+mn-lt"/>
+                <a:cs typeface="Times New Roman" panose="02020603050405020304" pitchFamily="18" charset="0"/>
+              </a:rPr>
+              <a:t>Facebook SDK: </a:t>
+            </a:r>
+            <a:r>
+              <a:rPr lang="en-US" sz="2200" b="1" dirty="0">
+                <a:latin typeface="+mn-lt"/>
+                <a:cs typeface="Times New Roman" panose="02020603050405020304" pitchFamily="18" charset="0"/>
+              </a:rPr>
+              <a:t>https://developers.facebook.com/docs/javascript</a:t>
+            </a:r>
+          </a:p>
+          <a:p>
+            <a:pPr marL="514350" indent="-514350" algn="l" defTabSz="437644" eaLnBrk="0" hangingPunct="0">
+              <a:lnSpc>
+                <a:spcPct val="95000"/>
+              </a:lnSpc>
+              <a:buFont typeface="+mj-lt"/>
+              <a:buAutoNum type="arabicPeriod"/>
+            </a:pPr>
+            <a:endParaRPr lang="en-US" sz="2400" b="1" dirty="0">
+              <a:latin typeface="+mn-lt"/>
+              <a:cs typeface="Times New Roman" panose="02020603050405020304" pitchFamily="18" charset="0"/>
+            </a:endParaRPr>
+          </a:p>
+          <a:p>
+            <a:pPr marL="514350" indent="-514350" algn="l" defTabSz="437644" eaLnBrk="0" hangingPunct="0">
+              <a:lnSpc>
+                <a:spcPct val="95000"/>
+              </a:lnSpc>
+              <a:buFont typeface="+mj-lt"/>
+              <a:buAutoNum type="arabicPeriod"/>
+            </a:pPr>
+            <a:r>
+              <a:rPr lang="en-US" sz="2400" b="1" dirty="0">
+                <a:latin typeface="+mn-lt"/>
+                <a:cs typeface="Times New Roman" panose="02020603050405020304" pitchFamily="18" charset="0"/>
+              </a:rPr>
+              <a:t>Twitter Developer Portal:</a:t>
+            </a:r>
+            <a:br>
+              <a:rPr lang="en-US" sz="2400" b="1" dirty="0">
+                <a:latin typeface="+mn-lt"/>
+                <a:cs typeface="Times New Roman" panose="02020603050405020304" pitchFamily="18" charset="0"/>
+              </a:rPr>
+            </a:br>
+            <a:r>
+              <a:rPr lang="en-US" sz="2200" b="1" dirty="0">
+                <a:latin typeface="+mn-lt"/>
+                <a:cs typeface="Times New Roman" panose="02020603050405020304" pitchFamily="18" charset="0"/>
+              </a:rPr>
+              <a:t>https://dev.twitter.com</a:t>
+            </a:r>
+            <a:br>
+              <a:rPr lang="en-US" sz="2400" b="1" dirty="0">
+                <a:latin typeface="+mn-lt"/>
+                <a:cs typeface="Times New Roman" panose="02020603050405020304" pitchFamily="18" charset="0"/>
+              </a:rPr>
+            </a:br>
+            <a:endParaRPr lang="en-US" sz="2400" b="1" dirty="0">
+              <a:latin typeface="+mn-lt"/>
+              <a:cs typeface="Times New Roman" panose="02020603050405020304" pitchFamily="18" charset="0"/>
+            </a:endParaRPr>
+          </a:p>
+          <a:p>
+            <a:pPr marL="514350" indent="-514350" algn="l" defTabSz="437644" eaLnBrk="0" hangingPunct="0">
+              <a:lnSpc>
+                <a:spcPct val="95000"/>
+              </a:lnSpc>
+              <a:buFont typeface="+mj-lt"/>
+              <a:buAutoNum type="arabicPeriod"/>
+            </a:pPr>
+            <a:r>
+              <a:rPr lang="en-US" sz="2400" b="1" dirty="0" err="1">
+                <a:latin typeface="+mn-lt"/>
+                <a:cs typeface="Times New Roman" panose="02020603050405020304" pitchFamily="18" charset="0"/>
+              </a:rPr>
+              <a:t>TwitterOAuth</a:t>
+            </a:r>
+            <a:r>
+              <a:rPr lang="en-US" sz="2400" b="1" dirty="0">
+                <a:latin typeface="+mn-lt"/>
+                <a:cs typeface="Times New Roman" panose="02020603050405020304" pitchFamily="18" charset="0"/>
+              </a:rPr>
+              <a:t>:</a:t>
+            </a:r>
+            <a:br>
+              <a:rPr lang="en-US" sz="2400" b="1" dirty="0">
+                <a:latin typeface="+mn-lt"/>
+                <a:cs typeface="Times New Roman" panose="02020603050405020304" pitchFamily="18" charset="0"/>
+              </a:rPr>
+            </a:br>
+            <a:r>
+              <a:rPr lang="en-US" sz="2200" b="1" dirty="0">
+                <a:latin typeface="+mn-lt"/>
+                <a:cs typeface="Times New Roman" panose="02020603050405020304" pitchFamily="18" charset="0"/>
+              </a:rPr>
+              <a:t>https://twitteroauth.com</a:t>
+            </a:r>
+          </a:p>
+        </p:txBody>
+      </p:sp>
+      <p:sp>
+        <p:nvSpPr>
+          <p:cNvPr id="2088" name="Text Box 40"/>
+          <p:cNvSpPr txBox="1">
+            <a:spLocks noChangeArrowheads="1"/>
+          </p:cNvSpPr>
+          <p:nvPr/>
+        </p:nvSpPr>
+        <p:spPr bwMode="auto">
+          <a:xfrm>
+            <a:off x="24851484" y="6138202"/>
+            <a:ext cx="7267575" cy="10336161"/>
           </a:xfrm>
           <a:prstGeom prst="rect">
             <a:avLst/>
@@ -1766,130 +1956,14 @@
           </a:bodyPr>
           <a:lstStyle/>
           <a:p>
-            <a:pPr marL="514350" indent="-514350" algn="l" defTabSz="437644" eaLnBrk="0" hangingPunct="0">
-              <a:lnSpc>
-                <a:spcPct val="95000"/>
-              </a:lnSpc>
-              <a:buFont typeface="+mj-lt"/>
-              <a:buAutoNum type="arabicPeriod"/>
-            </a:pPr>
-            <a:r>
-              <a:rPr lang="en-US" sz="2800" b="1" dirty="0">
-                <a:latin typeface="+mn-lt"/>
-                <a:cs typeface="Times New Roman" panose="02020603050405020304" pitchFamily="18" charset="0"/>
-              </a:rPr>
-              <a:t>Facebook SDK: https://developers.facebook.com/docs/javascript</a:t>
-            </a:r>
-          </a:p>
-          <a:p>
-            <a:pPr marL="514350" indent="-514350" algn="l" defTabSz="437644" eaLnBrk="0" hangingPunct="0">
-              <a:lnSpc>
-                <a:spcPct val="95000"/>
-              </a:lnSpc>
-              <a:buFont typeface="+mj-lt"/>
-              <a:buAutoNum type="arabicPeriod"/>
-            </a:pPr>
-            <a:endParaRPr lang="en-US" sz="2800" b="1" dirty="0">
-              <a:latin typeface="+mn-lt"/>
-              <a:cs typeface="Times New Roman" panose="02020603050405020304" pitchFamily="18" charset="0"/>
-            </a:endParaRPr>
-          </a:p>
-          <a:p>
-            <a:pPr marL="514350" indent="-514350" algn="l" defTabSz="437644" eaLnBrk="0" hangingPunct="0">
-              <a:lnSpc>
-                <a:spcPct val="95000"/>
-              </a:lnSpc>
-              <a:buFont typeface="+mj-lt"/>
-              <a:buAutoNum type="arabicPeriod"/>
-            </a:pPr>
-            <a:r>
-              <a:rPr lang="en-US" sz="2800" b="1" dirty="0">
-                <a:latin typeface="+mn-lt"/>
-                <a:cs typeface="Times New Roman" panose="02020603050405020304" pitchFamily="18" charset="0"/>
-              </a:rPr>
-              <a:t>Twitter Developer Portal: https://dev.twitter.com</a:t>
-            </a:r>
-          </a:p>
-          <a:p>
-            <a:pPr marL="514350" indent="-514350" algn="l" defTabSz="437644" eaLnBrk="0" hangingPunct="0">
-              <a:lnSpc>
-                <a:spcPct val="95000"/>
-              </a:lnSpc>
-              <a:buFont typeface="+mj-lt"/>
-              <a:buAutoNum type="arabicPeriod"/>
-            </a:pPr>
-            <a:r>
-              <a:rPr lang="en-US" sz="2800" b="1" dirty="0" err="1">
-                <a:latin typeface="+mn-lt"/>
-                <a:cs typeface="Times New Roman" panose="02020603050405020304" pitchFamily="18" charset="0"/>
-              </a:rPr>
-              <a:t>TwitterOAuth</a:t>
-            </a:r>
-            <a:r>
-              <a:rPr lang="en-US" sz="2800" b="1" dirty="0">
-                <a:latin typeface="+mn-lt"/>
-                <a:cs typeface="Times New Roman" panose="02020603050405020304" pitchFamily="18" charset="0"/>
-              </a:rPr>
-              <a:t>:</a:t>
-            </a:r>
-            <a:br>
-              <a:rPr lang="en-US" sz="2800" b="1" dirty="0">
-                <a:latin typeface="+mn-lt"/>
-                <a:cs typeface="Times New Roman" panose="02020603050405020304" pitchFamily="18" charset="0"/>
-              </a:rPr>
-            </a:br>
-            <a:r>
-              <a:rPr lang="en-US" sz="2800" b="1" dirty="0">
-                <a:latin typeface="+mn-lt"/>
-                <a:cs typeface="Times New Roman" panose="02020603050405020304" pitchFamily="18" charset="0"/>
-              </a:rPr>
-              <a:t>https://twitteroauth.com</a:t>
-            </a:r>
-          </a:p>
-        </p:txBody>
-      </p:sp>
-      <p:sp>
-        <p:nvSpPr>
-          <p:cNvPr id="2088" name="Text Box 40"/>
-          <p:cNvSpPr txBox="1">
-            <a:spLocks noChangeArrowheads="1"/>
-          </p:cNvSpPr>
-          <p:nvPr/>
-        </p:nvSpPr>
-        <p:spPr bwMode="auto">
-          <a:xfrm>
-            <a:off x="24879300" y="5972175"/>
-            <a:ext cx="7267575" cy="6388926"/>
-          </a:xfrm>
-          <a:prstGeom prst="rect">
-            <a:avLst/>
-          </a:prstGeom>
-          <a:noFill/>
-          <a:ln w="57150" cmpd="thinThick">
-            <a:noFill/>
-            <a:miter lim="800000"/>
-            <a:headEnd/>
-            <a:tailEnd/>
-          </a:ln>
-          <a:effectLst/>
-        </p:spPr>
-        <p:txBody>
-          <a:bodyPr lIns="43688" tIns="21843" rIns="43688" bIns="21843">
-            <a:spAutoFit/>
-          </a:bodyPr>
-          <a:lstStyle/>
-          <a:p>
             <a:pPr algn="l" defTabSz="437644" eaLnBrk="0" hangingPunct="0">
               <a:lnSpc>
                 <a:spcPct val="95000"/>
               </a:lnSpc>
             </a:pPr>
             <a:r>
-              <a:rPr lang="en-US" sz="2000" dirty="0">
-                <a:latin typeface="+mn-lt"/>
-                <a:cs typeface="Times New Roman" panose="02020603050405020304" pitchFamily="18" charset="0"/>
-              </a:rPr>
-              <a:t>Xxxxxxxxxxxxxxxxxxxxxxxxxxxxxxxxxxxxxxxxxxxxxxxxxxxxxxxxxxxxxxxxxxxxxxxxxxxxxxxxxxxxxxxxxxxxxxxxxxxxxxxxxxxxxxxxxxxxxxxxxxxxxxxxxxxxxxxxxxxxxxxxxxxxxxxxxxxxxxxxxxxxxxxxxxxxxxxxxxxxxxxxxxxxxxxxxxxxxxxxxxxxxxxxxxxxxxxxxxxxxxxxxxxxxxxxxxxxxxxxxxxxxxxxxxxxxxxxxxxxxxxxxxxxxxxxxxxxxxxxxxxxxxxxxxxxxxxxxxxxxxxxxxxxxxxxxxxxxxxxxxxxxxxxxxxxxxxxxxxxxxxxxxxxxxxxxxxxxxxxxxxxxxxxxxxxxxxxxxxxxxxxxxxxxxxxxxxxxxxxxxxxxxxxxxxxxxxxxxxxxxxxxxxxxxxxxxxxxxxxxxxxxxxxxxxxxxxxxxxxxxxxxxxxxxxxxxxxxxxxxxxxxxxxxxxxxxxxxxxxxxxxxxxxxxxxxxxxxxxxxxxxxxxxxxxxx</a:t>
+              <a:rPr lang="en-US" sz="3200" dirty="0"/>
+              <a:t>Overall, I believe that this project is successful. Functionally, buddy-buddy is able to accomplish core social media functionality and present it in a logical manner. We believe that the potential for a good product is there, but the combination of time constraints, our technology stack, and limitations of the platform APIs hurt us.</a:t>
             </a:r>
           </a:p>
           <a:p>
@@ -1898,10 +1972,7 @@
                 <a:spcPct val="95000"/>
               </a:lnSpc>
             </a:pPr>
-            <a:endParaRPr lang="en-US" sz="2000" dirty="0">
-              <a:latin typeface="+mn-lt"/>
-              <a:cs typeface="Times New Roman" panose="02020603050405020304" pitchFamily="18" charset="0"/>
-            </a:endParaRPr>
+            <a:endParaRPr lang="en-US" sz="3200" dirty="0"/>
           </a:p>
           <a:p>
             <a:pPr algn="l" defTabSz="437644" eaLnBrk="0" hangingPunct="0">
@@ -1910,16 +1981,9 @@
               </a:lnSpc>
             </a:pPr>
             <a:r>
-              <a:rPr lang="en-US" sz="2000" dirty="0">
-                <a:latin typeface="+mn-lt"/>
-                <a:cs typeface="Times New Roman" panose="02020603050405020304" pitchFamily="18" charset="0"/>
-              </a:rPr>
-              <a:t>xxxxxxxxxxxxxxxxxxxxxxxxxxxxxxxxxxxxxxxxxxxxxxxxxxxxxxxxxxxxxxxxxxxxxxxxxxxxxxxxxxxxxxxxxxxxxxxxxxxxxxxxxxxxxxxxxxxxxxxxxxxxxxxxxxxxxxxxxxxxxxxxxxxxxxxxxxxxxxxxxxxxxxxxxxxxxxxxxxxxxxxxxxxxxxxxxxxxxxxxxxxxxxxxxxxxxxxxxxxxxxxxxxxxxxxxxxxxxxxxxxxxxxxxxxxxxxxxxxxxxxxxxxxxxxxxxxxxxxxxxxxxxxxxxxxxxxxxxxxxxxxxxxxxxxxxxxxxxxxxxxxxxxxxxxxxxxxxxxxxxxxxxxxxxxxxxxxxxxxxxxxxxxxxxxxxxxxxxxxxxxxxxxxxxxxxxxxxxxxxxxxxxxxxxxxxxxxxxxxxxxxxxxxxxxxxxxxxxxxxxxxxxxxxxxxxxxxxxxxxxxxxxxxxxxxxxxxxxxxxxxxxxxxxxxxxxxxxxxxxxxxxxxxxxxxxxxxxx</a:t>
-            </a:r>
-            <a:endParaRPr lang="en-US" sz="2000" b="1" dirty="0">
-              <a:latin typeface="+mn-lt"/>
-              <a:cs typeface="Times New Roman" panose="02020603050405020304" pitchFamily="18" charset="0"/>
-            </a:endParaRPr>
+              <a:rPr lang="en-US" sz="3200" dirty="0"/>
+              <a:t>In many cases we had to sacrifice some of our structure/cleanliness to get things to work. Neither of us had prior web development experience, and that translated to us not having as much time to reiterate and refactor our code.</a:t>
+            </a:r>
           </a:p>
           <a:p>
             <a:pPr algn="l" defTabSz="437644" eaLnBrk="0" hangingPunct="0">
@@ -1927,7 +1991,19 @@
                 <a:spcPct val="95000"/>
               </a:lnSpc>
             </a:pPr>
-            <a:endParaRPr lang="en-US" sz="1400" dirty="0">
+            <a:endParaRPr lang="en-US" sz="3200" dirty="0"/>
+          </a:p>
+          <a:p>
+            <a:pPr algn="l" defTabSz="437644" eaLnBrk="0" hangingPunct="0">
+              <a:lnSpc>
+                <a:spcPct val="95000"/>
+              </a:lnSpc>
+            </a:pPr>
+            <a:r>
+              <a:rPr lang="en-US" sz="3200" dirty="0"/>
+              <a:t>Regardless, this was a positive learning experience; we came out with a stronger understanding of advanced APIs, fundamental web development, and a better perspective overall.</a:t>
+            </a:r>
+            <a:endParaRPr lang="en-US" sz="3200" dirty="0">
               <a:latin typeface="+mn-lt"/>
               <a:cs typeface="Times New Roman" panose="02020603050405020304" pitchFamily="18" charset="0"/>
             </a:endParaRPr>
@@ -1944,7 +2020,7 @@
         </p:nvSpPr>
         <p:spPr bwMode="auto">
           <a:xfrm>
-            <a:off x="628650" y="4368800"/>
+            <a:off x="600834" y="4534827"/>
             <a:ext cx="7372350" cy="1004662"/>
           </a:xfrm>
           <a:prstGeom prst="rect">
@@ -1989,7 +2065,7 @@
         </p:nvSpPr>
         <p:spPr bwMode="auto">
           <a:xfrm>
-            <a:off x="16773526" y="5972174"/>
+            <a:off x="16745710" y="6138201"/>
             <a:ext cx="7372350" cy="12377006"/>
           </a:xfrm>
           <a:prstGeom prst="rect">
@@ -2177,7 +2253,7 @@
                 <a:latin typeface="+mn-lt"/>
                 <a:cs typeface="Times New Roman" pitchFamily="18" charset="0"/>
               </a:rPr>
-              <a:t>Once embeds were handled correctly the rest was fairly straightforward, with the only limitation being that certain interactions needed to be handed through OAuth modals.</a:t>
+              <a:t>Once embedding posts was handled correctly, the rest was fairly straight forward, with the only limitation being that certain interactions needed to be handed through Twitter’s modals.</a:t>
             </a:r>
           </a:p>
         </p:txBody>
@@ -2204,7 +2280,7 @@
         </p:blipFill>
         <p:spPr>
           <a:xfrm>
-            <a:off x="673577" y="529528"/>
+            <a:off x="647451" y="921418"/>
             <a:ext cx="2385561" cy="2795980"/>
           </a:xfrm>
           <a:prstGeom prst="rect">
@@ -2222,7 +2298,7 @@
         </p:nvSpPr>
         <p:spPr bwMode="auto">
           <a:xfrm>
-            <a:off x="0" y="366465"/>
+            <a:off x="-26126" y="758355"/>
             <a:ext cx="32918400" cy="2959043"/>
           </a:xfrm>
           <a:prstGeom prst="rect">
@@ -2316,8 +2392,8 @@
         </p:blipFill>
         <p:spPr>
           <a:xfrm>
-            <a:off x="-1" y="-463445"/>
-            <a:ext cx="33746179" cy="706583"/>
+            <a:off x="-26125" y="-12998"/>
+            <a:ext cx="32918400" cy="686593"/>
           </a:xfrm>
           <a:prstGeom prst="rect">
             <a:avLst/>
@@ -2340,7 +2416,7 @@
         </p:nvSpPr>
         <p:spPr bwMode="auto">
           <a:xfrm>
-            <a:off x="16773525" y="4368800"/>
+            <a:off x="16745709" y="4534827"/>
             <a:ext cx="7372350" cy="1004662"/>
           </a:xfrm>
           <a:prstGeom prst="rect">
@@ -2394,7 +2470,7 @@
         </p:blipFill>
         <p:spPr>
           <a:xfrm>
-            <a:off x="673578" y="17654254"/>
+            <a:off x="645761" y="17405971"/>
             <a:ext cx="7327422" cy="3488761"/>
           </a:xfrm>
           <a:prstGeom prst="rect">
@@ -2431,7 +2507,7 @@
         </p:blipFill>
         <p:spPr>
           <a:xfrm>
-            <a:off x="28857375" y="129798"/>
+            <a:off x="28831249" y="521688"/>
             <a:ext cx="3432375" cy="3432375"/>
           </a:xfrm>
           <a:prstGeom prst="rect">
@@ -2468,7 +2544,7 @@
         </p:blipFill>
         <p:spPr bwMode="auto">
           <a:xfrm>
-            <a:off x="8740814" y="9037646"/>
+            <a:off x="8712998" y="9432273"/>
             <a:ext cx="7264322" cy="4086181"/>
           </a:xfrm>
           <a:prstGeom prst="rect">
@@ -2488,13 +2564,7 @@
       </p:pic>
       <p:pic>
         <p:nvPicPr>
-          <p:cNvPr id="9" name="Picture 8">
-            <a:extLst>
-              <a:ext uri="{FF2B5EF4-FFF2-40B4-BE49-F238E27FC236}">
-                <a16:creationId xmlns:a16="http://schemas.microsoft.com/office/drawing/2014/main" id="{6C3A9814-EEAD-4753-9BBD-B9FF6787D41E}"/>
-              </a:ext>
-            </a:extLst>
-          </p:cNvPr>
+          <p:cNvPr id="3" name="Picture 2"/>
           <p:cNvPicPr>
             <a:picLocks noChangeAspect="1"/>
           </p:cNvPicPr>
@@ -2508,31 +2578,7 @@
         </p:blipFill>
         <p:spPr>
           <a:xfrm>
-            <a:off x="9721830" y="16950738"/>
-            <a:ext cx="5324475" cy="4067175"/>
-          </a:xfrm>
-          <a:prstGeom prst="rect">
-            <a:avLst/>
-          </a:prstGeom>
-        </p:spPr>
-      </p:pic>
-      <p:pic>
-        <p:nvPicPr>
-          <p:cNvPr id="3" name="Picture 2"/>
-          <p:cNvPicPr>
-            <a:picLocks noChangeAspect="1"/>
-          </p:cNvPicPr>
-          <p:nvPr/>
-        </p:nvPicPr>
-        <p:blipFill>
-          <a:blip r:embed="rId9"/>
-          <a:stretch>
-            <a:fillRect/>
-          </a:stretch>
-        </p:blipFill>
-        <p:spPr>
-          <a:xfrm>
-            <a:off x="19769534" y="6952325"/>
+            <a:off x="19741718" y="7118352"/>
             <a:ext cx="4081066" cy="2983440"/>
           </a:xfrm>
           <a:prstGeom prst="rect">
@@ -2549,14 +2595,14 @@
           <p:nvPr/>
         </p:nvPicPr>
         <p:blipFill>
-          <a:blip r:embed="rId10"/>
+          <a:blip r:embed="rId9"/>
           <a:stretch>
             <a:fillRect/>
           </a:stretch>
         </p:blipFill>
         <p:spPr>
           <a:xfrm>
-            <a:off x="16872767" y="11485776"/>
+            <a:off x="16844951" y="11651803"/>
             <a:ext cx="7273108" cy="3932024"/>
           </a:xfrm>
           <a:prstGeom prst="rect">
@@ -2573,15 +2619,209 @@
           <p:nvPr/>
         </p:nvPicPr>
         <p:blipFill>
-          <a:blip r:embed="rId11"/>
+          <a:blip r:embed="rId10"/>
           <a:stretch>
             <a:fillRect/>
           </a:stretch>
         </p:blipFill>
         <p:spPr>
           <a:xfrm>
-            <a:off x="16872767" y="18308995"/>
+            <a:off x="18863813" y="18425841"/>
             <a:ext cx="3235384" cy="2834020"/>
+          </a:xfrm>
+          <a:prstGeom prst="rect">
+            <a:avLst/>
+          </a:prstGeom>
+        </p:spPr>
+      </p:pic>
+      <p:pic>
+        <p:nvPicPr>
+          <p:cNvPr id="1026" name="Picture 2" descr="https://lh4.googleusercontent.com/d3L-CNf3ty7P9UyNFFFRbHDJ5iT5EZFw8iH4hwRspQc9jCixE8tBMImXM7ySnHR09MIoym1rMbAXg-4bAFR7T4v9zeRZJER5Qtq3d0N9CGzxTl7l7x2aAtVLcCUka82rP-L-Ewm7ZNU"/>
+          <p:cNvPicPr>
+            <a:picLocks noChangeAspect="1" noChangeArrowheads="1"/>
+          </p:cNvPicPr>
+          <p:nvPr/>
+        </p:nvPicPr>
+        <p:blipFill>
+          <a:blip r:embed="rId11">
+            <a:extLst>
+              <a:ext uri="{28A0092B-C50C-407E-A947-70E740481C1C}">
+                <a14:useLocalDpi xmlns:a14="http://schemas.microsoft.com/office/drawing/2010/main" val="0"/>
+              </a:ext>
+            </a:extLst>
+          </a:blip>
+          <a:srcRect/>
+          <a:stretch>
+            <a:fillRect/>
+          </a:stretch>
+        </p:blipFill>
+        <p:spPr bwMode="auto">
+          <a:xfrm>
+            <a:off x="1271296" y="7834197"/>
+            <a:ext cx="1103334" cy="1103334"/>
+          </a:xfrm>
+          <a:prstGeom prst="rect">
+            <a:avLst/>
+          </a:prstGeom>
+          <a:noFill/>
+          <a:extLst>
+            <a:ext uri="{909E8E84-426E-40DD-AFC4-6F175D3DCCD1}">
+              <a14:hiddenFill xmlns:a14="http://schemas.microsoft.com/office/drawing/2010/main">
+                <a:solidFill>
+                  <a:srgbClr val="FFFFFF"/>
+                </a:solidFill>
+              </a14:hiddenFill>
+            </a:ext>
+          </a:extLst>
+        </p:spPr>
+      </p:pic>
+      <p:pic>
+        <p:nvPicPr>
+          <p:cNvPr id="1028" name="Picture 4" descr="https://lh6.googleusercontent.com/MHmmtkTny00NBei_2wo7Z8nNbbBPYRUMrDRQrn-9zwpHn_QPbjzFmZ9JvnHyQuYc0E80-PptrKV0uSEmil8a-LfVYS-g99-UuCRFLcFjaj8OUhvtjcJKyT6vuSQ_B03tX-aDEUCD1jE"/>
+          <p:cNvPicPr>
+            <a:picLocks noChangeAspect="1" noChangeArrowheads="1"/>
+          </p:cNvPicPr>
+          <p:nvPr/>
+        </p:nvPicPr>
+        <p:blipFill>
+          <a:blip r:embed="rId12">
+            <a:extLst>
+              <a:ext uri="{28A0092B-C50C-407E-A947-70E740481C1C}">
+                <a14:useLocalDpi xmlns:a14="http://schemas.microsoft.com/office/drawing/2010/main" val="0"/>
+              </a:ext>
+            </a:extLst>
+          </a:blip>
+          <a:srcRect/>
+          <a:stretch>
+            <a:fillRect/>
+          </a:stretch>
+        </p:blipFill>
+        <p:spPr bwMode="auto">
+          <a:xfrm>
+            <a:off x="4674797" y="7855277"/>
+            <a:ext cx="1121113" cy="1121113"/>
+          </a:xfrm>
+          <a:prstGeom prst="rect">
+            <a:avLst/>
+          </a:prstGeom>
+          <a:noFill/>
+          <a:extLst>
+            <a:ext uri="{909E8E84-426E-40DD-AFC4-6F175D3DCCD1}">
+              <a14:hiddenFill xmlns:a14="http://schemas.microsoft.com/office/drawing/2010/main">
+                <a:solidFill>
+                  <a:srgbClr val="FFFFFF"/>
+                </a:solidFill>
+              </a14:hiddenFill>
+            </a:ext>
+          </a:extLst>
+        </p:spPr>
+      </p:pic>
+      <p:pic>
+        <p:nvPicPr>
+          <p:cNvPr id="4" name="Picture 6" descr="https://lh5.googleusercontent.com/d7MWQ5xfqoMbxCwBDmkynYZyxlNmEz9BHDwiJMmNJuHkHFi3b-d37N06aN2V6BFXQKJzEngW6E0uiZLkl0SWt3nYDbUeeDhuGpaQTOk5h1WQhvmAZse830j3xtlXiBUnl-pYMJZXBFM"/>
+          <p:cNvPicPr>
+            <a:picLocks noChangeAspect="1" noChangeArrowheads="1"/>
+          </p:cNvPicPr>
+          <p:nvPr/>
+        </p:nvPicPr>
+        <p:blipFill>
+          <a:blip r:embed="rId13" cstate="print">
+            <a:extLst>
+              <a:ext uri="{28A0092B-C50C-407E-A947-70E740481C1C}">
+                <a14:useLocalDpi xmlns:a14="http://schemas.microsoft.com/office/drawing/2010/main" val="0"/>
+              </a:ext>
+            </a:extLst>
+          </a:blip>
+          <a:srcRect/>
+          <a:stretch>
+            <a:fillRect/>
+          </a:stretch>
+        </p:blipFill>
+        <p:spPr bwMode="auto">
+          <a:xfrm>
+            <a:off x="3016920" y="7834197"/>
+            <a:ext cx="1103334" cy="1103334"/>
+          </a:xfrm>
+          <a:prstGeom prst="rect">
+            <a:avLst/>
+          </a:prstGeom>
+          <a:noFill/>
+          <a:extLst>
+            <a:ext uri="{909E8E84-426E-40DD-AFC4-6F175D3DCCD1}">
+              <a14:hiddenFill xmlns:a14="http://schemas.microsoft.com/office/drawing/2010/main">
+                <a:solidFill>
+                  <a:srgbClr val="FFFFFF"/>
+                </a:solidFill>
+              </a14:hiddenFill>
+            </a:ext>
+          </a:extLst>
+        </p:spPr>
+      </p:pic>
+      <p:pic>
+        <p:nvPicPr>
+          <p:cNvPr id="1032" name="Picture 8" descr="https://lh4.googleusercontent.com/3u2V7QAC5jKQpWJX7U3oGNyzGQMkl2RGp34Svbe6lU6fAj6ZZe1uS6HL47txHKBWeU0jDLWryYznSRAsbcRGAY3uD6b_oxTZc-p7qRY4VrBTs5_1Z6obDAZlpyg85Hfb6tbNK91flu4"/>
+          <p:cNvPicPr>
+            <a:picLocks noChangeAspect="1" noChangeArrowheads="1"/>
+          </p:cNvPicPr>
+          <p:nvPr/>
+        </p:nvPicPr>
+        <p:blipFill>
+          <a:blip r:embed="rId14">
+            <a:extLst>
+              <a:ext uri="{28A0092B-C50C-407E-A947-70E740481C1C}">
+                <a14:useLocalDpi xmlns:a14="http://schemas.microsoft.com/office/drawing/2010/main" val="0"/>
+              </a:ext>
+            </a:extLst>
+          </a:blip>
+          <a:srcRect/>
+          <a:stretch>
+            <a:fillRect/>
+          </a:stretch>
+        </p:blipFill>
+        <p:spPr bwMode="auto">
+          <a:xfrm>
+            <a:off x="6367559" y="7873056"/>
+            <a:ext cx="1103334" cy="1103334"/>
+          </a:xfrm>
+          <a:prstGeom prst="rect">
+            <a:avLst/>
+          </a:prstGeom>
+          <a:noFill/>
+          <a:extLst>
+            <a:ext uri="{909E8E84-426E-40DD-AFC4-6F175D3DCCD1}">
+              <a14:hiddenFill xmlns:a14="http://schemas.microsoft.com/office/drawing/2010/main">
+                <a:solidFill>
+                  <a:srgbClr val="FFFFFF"/>
+                </a:solidFill>
+              </a14:hiddenFill>
+            </a:ext>
+          </a:extLst>
+        </p:spPr>
+      </p:pic>
+      <p:pic>
+        <p:nvPicPr>
+          <p:cNvPr id="10" name="Picture 9">
+            <a:extLst>
+              <a:ext uri="{FF2B5EF4-FFF2-40B4-BE49-F238E27FC236}">
+                <a16:creationId xmlns:a16="http://schemas.microsoft.com/office/drawing/2014/main" id="{B4F34127-A47A-4BBE-A013-E7AAEB5CED32}"/>
+              </a:ext>
+            </a:extLst>
+          </p:cNvPr>
+          <p:cNvPicPr>
+            <a:picLocks noChangeAspect="1"/>
+          </p:cNvPicPr>
+          <p:nvPr/>
+        </p:nvPicPr>
+        <p:blipFill>
+          <a:blip r:embed="rId15"/>
+          <a:stretch>
+            <a:fillRect/>
+          </a:stretch>
+        </p:blipFill>
+        <p:spPr>
+          <a:xfrm>
+            <a:off x="8735184" y="15921623"/>
+            <a:ext cx="7237900" cy="5456846"/>
           </a:xfrm>
           <a:prstGeom prst="rect">
             <a:avLst/>
